--- a/Jour1/04 Directives/04_Directives.pptx
+++ b/Jour1/04 Directives/04_Directives.pptx
@@ -9402,11 +9402,7 @@
             </a:r>
             <a:r>
               <a:rPr lang="fr-FR" dirty="0" smtClean="0"/>
-              <a:t> JS 1 : </a:t>
-            </a:r>
-            <a:r>
-              <a:rPr lang="fr-FR" dirty="0" smtClean="0"/>
-              <a:t>Les directives</a:t>
+              <a:t> JS 1 : Les directives</a:t>
             </a:r>
             <a:endParaRPr lang="fr-FR" dirty="0"/>
           </a:p>
@@ -9501,7 +9497,6 @@
               <a:rPr lang="en-GB" dirty="0" smtClean="0"/>
               <a:t> DOM. </a:t>
             </a:r>
-            <a:endParaRPr lang="en-GB" dirty="0" smtClean="0"/>
           </a:p>
           <a:p>
             <a:r>
@@ -9542,11 +9537,7 @@
             </a:r>
             <a:r>
               <a:rPr lang="en-GB" dirty="0" smtClean="0"/>
-              <a:t> </a:t>
-            </a:r>
-            <a:r>
-              <a:rPr lang="en-GB" dirty="0" smtClean="0"/>
-              <a:t>sur la </a:t>
+              <a:t> sur la </a:t>
             </a:r>
             <a:r>
               <a:rPr lang="en-GB" dirty="0" err="1" smtClean="0"/>
@@ -9562,11 +9553,7 @@
             </a:r>
             <a:r>
               <a:rPr lang="en-GB" dirty="0" smtClean="0"/>
-              <a:t> sur </a:t>
-            </a:r>
-            <a:r>
-              <a:rPr lang="en-GB" dirty="0" smtClean="0"/>
-              <a:t>le </a:t>
+              <a:t> sur le </a:t>
             </a:r>
             <a:r>
               <a:rPr lang="en-GB" dirty="0" err="1" smtClean="0"/>
@@ -9576,7 +9563,6 @@
               <a:rPr lang="en-GB" dirty="0" smtClean="0"/>
               <a:t> </a:t>
             </a:r>
-            <a:endParaRPr lang="en-GB" dirty="0" smtClean="0"/>
           </a:p>
           <a:p>
             <a:pPr lvl="1"/>
@@ -9596,7 +9582,6 @@
               <a:rPr lang="en-GB" dirty="0" smtClean="0"/>
               <a:t> JS</a:t>
             </a:r>
-            <a:endParaRPr lang="en-GB" dirty="0" smtClean="0"/>
           </a:p>
           <a:p>
             <a:pPr marL="0" indent="0">
@@ -10099,11 +10084,7 @@
           <a:p>
             <a:r>
               <a:rPr lang="en-GB" dirty="0" smtClean="0"/>
-              <a:t>Syntax </a:t>
-            </a:r>
-            <a:r>
-              <a:rPr lang="en-GB" dirty="0" smtClean="0"/>
-              <a:t>1 :</a:t>
+              <a:t>Syntax 1 :</a:t>
             </a:r>
             <a:br>
               <a:rPr lang="en-GB" dirty="0" smtClean="0"/>
@@ -10218,7 +10199,6 @@
               <a:rPr lang="fr-FR" dirty="0"/>
               <a:t> JS 1 : Les directives</a:t>
             </a:r>
-            <a:endParaRPr lang="fr-FR" dirty="0"/>
           </a:p>
         </p:txBody>
       </p:sp>
@@ -10318,7 +10298,7 @@
         </p:blipFill>
         <p:spPr bwMode="auto">
           <a:xfrm>
-            <a:off x="891917" y="4500341"/>
+            <a:off x="834541" y="4876367"/>
             <a:ext cx="7344978" cy="1145547"/>
           </a:xfrm>
           <a:prstGeom prst="rect">
@@ -10723,11 +10703,7 @@
           <a:p>
             <a:r>
               <a:rPr lang="en-GB" dirty="0" smtClean="0"/>
-              <a:t>ng-repeat </a:t>
-            </a:r>
-            <a:r>
-              <a:rPr lang="en-GB" dirty="0" smtClean="0"/>
-              <a:t>: </a:t>
+              <a:t>ng-repeat : </a:t>
             </a:r>
             <a:r>
               <a:rPr lang="en-GB" dirty="0" err="1" smtClean="0"/>
@@ -11262,7 +11238,6 @@
               <a:rPr lang="fr-FR" dirty="0"/>
               <a:t> JS 1 : Les directives</a:t>
             </a:r>
-            <a:endParaRPr lang="fr-FR" dirty="0"/>
           </a:p>
         </p:txBody>
       </p:sp>
@@ -11424,7 +11399,6 @@
               <a:rPr lang="fr-FR" dirty="0"/>
               <a:t> JS 1 : Les directives</a:t>
             </a:r>
-            <a:endParaRPr lang="fr-FR" dirty="0"/>
           </a:p>
         </p:txBody>
       </p:sp>
@@ -11488,8 +11462,8 @@
         </p:nvSpPr>
         <p:spPr>
           <a:xfrm>
-            <a:off x="515938" y="1484312"/>
-            <a:ext cx="4818062" cy="4681537"/>
+            <a:off x="515937" y="1484312"/>
+            <a:ext cx="5149177" cy="4681537"/>
           </a:xfrm>
         </p:spPr>
         <p:txBody>
@@ -11498,34 +11472,75 @@
           </a:bodyPr>
           <a:lstStyle/>
           <a:p>
-            <a:r>
-              <a:rPr lang="en-GB" dirty="0"/>
-              <a:t>Steps :</a:t>
-            </a:r>
-          </a:p>
-          <a:p>
-            <a:pPr lvl="1">
+            <a:pPr>
               <a:buFont typeface="Arial" pitchFamily="34" charset="0"/>
               <a:buChar char="•"/>
             </a:pPr>
             <a:r>
+              <a:rPr lang="en-GB" dirty="0" smtClean="0"/>
+              <a:t>Define  </a:t>
+            </a:r>
+            <a:r>
               <a:rPr lang="en-GB" dirty="0"/>
-              <a:t>Init  application and  </a:t>
+              <a:t>a </a:t>
             </a:r>
             <a:r>
               <a:rPr lang="en-GB" dirty="0" err="1"/>
-              <a:t>controlleur</a:t>
-            </a:r>
-            <a:endParaRPr lang="en-GB" dirty="0"/>
-          </a:p>
-          <a:p>
-            <a:pPr lvl="2">
+              <a:t>var</a:t>
+            </a:r>
+            <a:r>
+              <a:rPr lang="en-GB" dirty="0"/>
+              <a:t> named "</a:t>
+            </a:r>
+            <a:r>
+              <a:rPr lang="en-GB" dirty="0" err="1"/>
+              <a:t>todos</a:t>
+            </a:r>
+            <a:r>
+              <a:rPr lang="en-GB" dirty="0"/>
+              <a:t>" and define a few tasks in it with 2 properties : title, and completed, show the title  in the list on the HTML page</a:t>
+            </a:r>
+          </a:p>
+          <a:p>
+            <a:pPr>
               <a:buFont typeface="Arial" pitchFamily="34" charset="0"/>
               <a:buChar char="•"/>
             </a:pPr>
             <a:r>
               <a:rPr lang="en-GB" dirty="0"/>
-              <a:t>Use </a:t>
+              <a:t>Apply the class </a:t>
+            </a:r>
+            <a:r>
+              <a:rPr lang="en-GB" b="1" dirty="0"/>
+              <a:t>#</a:t>
+            </a:r>
+            <a:r>
+              <a:rPr lang="en-GB" b="1" dirty="0" err="1"/>
+              <a:t>todo</a:t>
+            </a:r>
+            <a:r>
+              <a:rPr lang="en-GB" b="1" dirty="0"/>
+              <a:t>-list </a:t>
+            </a:r>
+            <a:r>
+              <a:rPr lang="en-GB" b="1" dirty="0" err="1"/>
+              <a:t>li</a:t>
+            </a:r>
+            <a:r>
+              <a:rPr lang="en-GB" dirty="0" err="1"/>
+              <a:t>.</a:t>
+            </a:r>
+            <a:r>
+              <a:rPr lang="en-GB" b="1" dirty="0" err="1"/>
+              <a:t>completed</a:t>
+            </a:r>
+            <a:r>
+              <a:rPr lang="en-GB" b="1" dirty="0"/>
+              <a:t> label </a:t>
+            </a:r>
+            <a:r>
+              <a:rPr lang="en-GB" dirty="0"/>
+              <a:t>using </a:t>
             </a:r>
             <a:r>
               <a:rPr lang="en-GB" dirty="0" err="1"/>
@@ -11533,100 +11548,6 @@
             </a:r>
             <a:r>
               <a:rPr lang="en-GB" dirty="0"/>
-              <a:t>-app, create a Controller</a:t>
-            </a:r>
-          </a:p>
-          <a:p>
-            <a:pPr lvl="1">
-              <a:buFont typeface="Arial" pitchFamily="34" charset="0"/>
-              <a:buChar char="•"/>
-            </a:pPr>
-            <a:r>
-              <a:rPr lang="en-GB" dirty="0"/>
-              <a:t>Define a </a:t>
-            </a:r>
-            <a:r>
-              <a:rPr lang="en-GB" dirty="0" err="1"/>
-              <a:t>var</a:t>
-            </a:r>
-            <a:r>
-              <a:rPr lang="en-GB" dirty="0"/>
-              <a:t> named "remaining" to a fake value ('hard code '  5 for remaining for example) and show it in html</a:t>
-            </a:r>
-          </a:p>
-          <a:p>
-            <a:pPr lvl="1">
-              <a:buFont typeface="Arial" pitchFamily="34" charset="0"/>
-              <a:buChar char="•"/>
-            </a:pPr>
-            <a:r>
-              <a:rPr lang="en-GB" dirty="0"/>
-              <a:t>Define  a </a:t>
-            </a:r>
-            <a:r>
-              <a:rPr lang="en-GB" dirty="0" err="1"/>
-              <a:t>var</a:t>
-            </a:r>
-            <a:r>
-              <a:rPr lang="en-GB" dirty="0"/>
-              <a:t> named "</a:t>
-            </a:r>
-            <a:r>
-              <a:rPr lang="en-GB" dirty="0" err="1"/>
-              <a:t>todos</a:t>
-            </a:r>
-            <a:r>
-              <a:rPr lang="en-GB" dirty="0"/>
-              <a:t>" and define a few tasks in it with 2 properties : title, and completed, show the title  in the list on the HTML page</a:t>
-            </a:r>
-          </a:p>
-          <a:p>
-            <a:pPr lvl="1">
-              <a:buFont typeface="Arial" pitchFamily="34" charset="0"/>
-              <a:buChar char="•"/>
-            </a:pPr>
-            <a:r>
-              <a:rPr lang="en-GB" dirty="0"/>
-              <a:t>Apply the class </a:t>
-            </a:r>
-            <a:r>
-              <a:rPr lang="en-GB" b="1" dirty="0"/>
-              <a:t>#</a:t>
-            </a:r>
-            <a:r>
-              <a:rPr lang="en-GB" b="1" dirty="0" err="1"/>
-              <a:t>todo</a:t>
-            </a:r>
-            <a:r>
-              <a:rPr lang="en-GB" b="1" dirty="0"/>
-              <a:t>-list </a:t>
-            </a:r>
-            <a:r>
-              <a:rPr lang="en-GB" b="1" dirty="0" err="1"/>
-              <a:t>li</a:t>
-            </a:r>
-            <a:r>
-              <a:rPr lang="en-GB" dirty="0" err="1"/>
-              <a:t>.</a:t>
-            </a:r>
-            <a:r>
-              <a:rPr lang="en-GB" b="1" dirty="0" err="1"/>
-              <a:t>completed</a:t>
-            </a:r>
-            <a:r>
-              <a:rPr lang="en-GB" b="1" dirty="0"/>
-              <a:t> label </a:t>
-            </a:r>
-            <a:r>
-              <a:rPr lang="en-GB" dirty="0"/>
-              <a:t>using </a:t>
-            </a:r>
-            <a:r>
-              <a:rPr lang="en-GB" dirty="0" err="1"/>
-              <a:t>ng</a:t>
-            </a:r>
-            <a:r>
-              <a:rPr lang="en-GB" dirty="0"/>
               <a:t>-class  (add 'completed' </a:t>
             </a:r>
             <a:r>
@@ -11647,7 +11568,7 @@
             </a:r>
           </a:p>
           <a:p>
-            <a:pPr lvl="1">
+            <a:pPr>
               <a:buFont typeface="Arial" pitchFamily="34" charset="0"/>
               <a:buChar char="•"/>
             </a:pPr>
@@ -11676,7 +11597,7 @@
             <a:endParaRPr lang="en-GB" dirty="0"/>
           </a:p>
           <a:p>
-            <a:pPr lvl="1">
+            <a:pPr>
               <a:buFont typeface="Arial" pitchFamily="34" charset="0"/>
               <a:buChar char="•"/>
             </a:pPr>
@@ -11686,7 +11607,7 @@
             </a:r>
           </a:p>
           <a:p>
-            <a:pPr lvl="1">
+            <a:pPr>
               <a:buFont typeface="Arial" pitchFamily="34" charset="0"/>
               <a:buChar char="•"/>
             </a:pPr>
@@ -11704,7 +11625,7 @@
             </a:r>
           </a:p>
           <a:p>
-            <a:pPr lvl="1">
+            <a:pPr>
               <a:buFont typeface="Arial" pitchFamily="34" charset="0"/>
               <a:buChar char="•"/>
             </a:pPr>
@@ -11714,18 +11635,39 @@
             </a:r>
             <a:r>
               <a:rPr lang="en-GB" dirty="0"/>
-              <a:t>/Completing all tasks by clicking on the top 'v' arrow</a:t>
-            </a:r>
-          </a:p>
-          <a:p>
-            <a:pPr lvl="1">
+              <a:t>/Completing all tasks by clicking on the top 'v' </a:t>
+            </a:r>
+            <a:r>
+              <a:rPr lang="en-GB" dirty="0" smtClean="0"/>
+              <a:t>arrow</a:t>
+            </a:r>
+          </a:p>
+          <a:p>
+            <a:pPr>
               <a:buFont typeface="Arial" pitchFamily="34" charset="0"/>
               <a:buChar char="•"/>
             </a:pPr>
             <a:r>
               <a:rPr lang="en-GB" dirty="0"/>
-              <a:t>The remaining tasks will be coded later</a:t>
-            </a:r>
+              <a:t>Define a </a:t>
+            </a:r>
+            <a:r>
+              <a:rPr lang="en-GB" dirty="0" smtClean="0"/>
+              <a:t>function named </a:t>
+            </a:r>
+            <a:r>
+              <a:rPr lang="en-GB" dirty="0"/>
+              <a:t>"remaining" </a:t>
+            </a:r>
+            <a:r>
+              <a:rPr lang="en-GB" dirty="0" smtClean="0"/>
+              <a:t>returning the number of remaining tasks and </a:t>
+            </a:r>
+            <a:r>
+              <a:rPr lang="en-GB" dirty="0"/>
+              <a:t>show it in html</a:t>
+            </a:r>
+            <a:endParaRPr lang="en-GB" dirty="0"/>
           </a:p>
         </p:txBody>
       </p:sp>
@@ -11780,6 +11722,13 @@
   <p:clrMapOvr>
     <a:masterClrMapping/>
   </p:clrMapOvr>
+  <p:timing>
+    <p:tnLst>
+      <p:par>
+        <p:cTn id="1" dur="indefinite" restart="never" nodeType="tmRoot"/>
+      </p:par>
+    </p:tnLst>
+  </p:timing>
 </p:sld>
 </file>
 
@@ -12016,7 +11965,6 @@
               <a:rPr lang="fr-FR" dirty="0"/>
               <a:t> JS 1 : Les directives</a:t>
             </a:r>
-            <a:endParaRPr lang="fr-FR" dirty="0"/>
           </a:p>
         </p:txBody>
       </p:sp>
